--- a/Presentations/tandem_code_implementation_v2.pptx
+++ b/Presentations/tandem_code_implementation_v2.pptx
@@ -286,7 +286,7 @@
           <a:p>
             <a:fld id="{95E01E72-7280-4972-892A-E59F558769B7}" type="datetimeFigureOut">
               <a:rPr lang="en-US" smtClean="0"/>
-              <a:t>10/7/21</a:t>
+              <a:t>10/8/21</a:t>
             </a:fld>
             <a:endParaRPr lang="en-US"/>
           </a:p>
@@ -12274,7 +12274,7 @@
         </p:spPr>
         <p:txBody>
           <a:bodyPr wrap="square" anchor="t">
-            <a:normAutofit/>
+            <a:normAutofit lnSpcReduction="10000"/>
           </a:bodyPr>
           <a:lstStyle/>
           <a:p>
@@ -12301,6 +12301,12 @@
             <a:r>
               <a:rPr lang="en-US" sz="2800" dirty="0"/>
               <a:t>), unsure if correct</a:t>
+            </a:r>
+          </a:p>
+          <a:p>
+            <a:r>
+              <a:rPr lang="en-US" sz="2800" dirty="0"/>
+              <a:t>Multiple inference attempts?</a:t>
             </a:r>
           </a:p>
         </p:txBody>
